--- a/FourGates/Four Gates.pptx
+++ b/FourGates/Four Gates.pptx
@@ -18392,15 +18392,7 @@
                   <a:schemeClr val="dk1"/>
                 </a:solidFill>
               </a:rPr>
-              <a:t>This presentation and that app </a:t>
-            </a:r>
-            <a:r>
-              <a:rPr lang="en-US">
-                <a:solidFill>
-                  <a:schemeClr val="dk1"/>
-                </a:solidFill>
-              </a:rPr>
-              <a:t>are available on https://github.com/MichoelR/Keviyus/tree/master/FourGates</a:t>
+              <a:t>This presentation and that app are available on https://github.com/MichoelR/Keviyus/tree/master/FourGates</a:t>
             </a:r>
             <a:endParaRPr dirty="0">
               <a:solidFill>
